--- a/assets/.PPT/iTest.pptx
+++ b/assets/.PPT/iTest.pptx
@@ -104,6 +104,11 @@
       </a:defRPr>
     </a:lvl9pPr>
   </p:defaultTextStyle>
+  <p:extLst>
+    <p:ext uri="{EFAFB233-063F-42B5-8137-9DF3F51BA10A}">
+      <p15:sldGuideLst xmlns:p15="http://schemas.microsoft.com/office/powerpoint/2012/main"/>
+    </p:ext>
+  </p:extLst>
 </p:presentation>
 </file>
 
@@ -254,7 +259,7 @@
           <a:p>
             <a:fld id="{BF92AFD3-0057-467B-9CD8-FD64D43DF5B4}" type="datetimeFigureOut">
               <a:rPr lang="en-US" smtClean="0"/>
-              <a:t>5/1/2023</a:t>
+              <a:t>5/7/2023</a:t>
             </a:fld>
             <a:endParaRPr lang="en-US"/>
           </a:p>
@@ -452,7 +457,7 @@
           <a:p>
             <a:fld id="{BF92AFD3-0057-467B-9CD8-FD64D43DF5B4}" type="datetimeFigureOut">
               <a:rPr lang="en-US" smtClean="0"/>
-              <a:t>5/1/2023</a:t>
+              <a:t>5/7/2023</a:t>
             </a:fld>
             <a:endParaRPr lang="en-US"/>
           </a:p>
@@ -660,7 +665,7 @@
           <a:p>
             <a:fld id="{BF92AFD3-0057-467B-9CD8-FD64D43DF5B4}" type="datetimeFigureOut">
               <a:rPr lang="en-US" smtClean="0"/>
-              <a:t>5/1/2023</a:t>
+              <a:t>5/7/2023</a:t>
             </a:fld>
             <a:endParaRPr lang="en-US"/>
           </a:p>
@@ -858,7 +863,7 @@
           <a:p>
             <a:fld id="{BF92AFD3-0057-467B-9CD8-FD64D43DF5B4}" type="datetimeFigureOut">
               <a:rPr lang="en-US" smtClean="0"/>
-              <a:t>5/1/2023</a:t>
+              <a:t>5/7/2023</a:t>
             </a:fld>
             <a:endParaRPr lang="en-US"/>
           </a:p>
@@ -1133,7 +1138,7 @@
           <a:p>
             <a:fld id="{BF92AFD3-0057-467B-9CD8-FD64D43DF5B4}" type="datetimeFigureOut">
               <a:rPr lang="en-US" smtClean="0"/>
-              <a:t>5/1/2023</a:t>
+              <a:t>5/7/2023</a:t>
             </a:fld>
             <a:endParaRPr lang="en-US"/>
           </a:p>
@@ -1398,7 +1403,7 @@
           <a:p>
             <a:fld id="{BF92AFD3-0057-467B-9CD8-FD64D43DF5B4}" type="datetimeFigureOut">
               <a:rPr lang="en-US" smtClean="0"/>
-              <a:t>5/1/2023</a:t>
+              <a:t>5/7/2023</a:t>
             </a:fld>
             <a:endParaRPr lang="en-US"/>
           </a:p>
@@ -1810,7 +1815,7 @@
           <a:p>
             <a:fld id="{BF92AFD3-0057-467B-9CD8-FD64D43DF5B4}" type="datetimeFigureOut">
               <a:rPr lang="en-US" smtClean="0"/>
-              <a:t>5/1/2023</a:t>
+              <a:t>5/7/2023</a:t>
             </a:fld>
             <a:endParaRPr lang="en-US"/>
           </a:p>
@@ -1951,7 +1956,7 @@
           <a:p>
             <a:fld id="{BF92AFD3-0057-467B-9CD8-FD64D43DF5B4}" type="datetimeFigureOut">
               <a:rPr lang="en-US" smtClean="0"/>
-              <a:t>5/1/2023</a:t>
+              <a:t>5/7/2023</a:t>
             </a:fld>
             <a:endParaRPr lang="en-US"/>
           </a:p>
@@ -2064,7 +2069,7 @@
           <a:p>
             <a:fld id="{BF92AFD3-0057-467B-9CD8-FD64D43DF5B4}" type="datetimeFigureOut">
               <a:rPr lang="en-US" smtClean="0"/>
-              <a:t>5/1/2023</a:t>
+              <a:t>5/7/2023</a:t>
             </a:fld>
             <a:endParaRPr lang="en-US"/>
           </a:p>
@@ -2375,7 +2380,7 @@
           <a:p>
             <a:fld id="{BF92AFD3-0057-467B-9CD8-FD64D43DF5B4}" type="datetimeFigureOut">
               <a:rPr lang="en-US" smtClean="0"/>
-              <a:t>5/1/2023</a:t>
+              <a:t>5/7/2023</a:t>
             </a:fld>
             <a:endParaRPr lang="en-US"/>
           </a:p>
@@ -2663,7 +2668,7 @@
           <a:p>
             <a:fld id="{BF92AFD3-0057-467B-9CD8-FD64D43DF5B4}" type="datetimeFigureOut">
               <a:rPr lang="en-US" smtClean="0"/>
-              <a:t>5/1/2023</a:t>
+              <a:t>5/7/2023</a:t>
             </a:fld>
             <a:endParaRPr lang="en-US"/>
           </a:p>
@@ -2904,7 +2909,7 @@
           <a:p>
             <a:fld id="{BF92AFD3-0057-467B-9CD8-FD64D43DF5B4}" type="datetimeFigureOut">
               <a:rPr lang="en-US" smtClean="0"/>
-              <a:t>5/1/2023</a:t>
+              <a:t>5/7/2023</a:t>
             </a:fld>
             <a:endParaRPr lang="en-US"/>
           </a:p>
@@ -3337,19 +3342,27 @@
             <p:ph type="ctrTitle"/>
           </p:nvPr>
         </p:nvSpPr>
-        <p:spPr/>
-        <p:txBody>
-          <a:bodyPr>
+        <p:spPr>
+          <a:xfrm>
+            <a:off x="1524000" y="1122362"/>
+            <a:ext cx="9144000" cy="4849813"/>
+          </a:xfrm>
+          <a:solidFill>
+            <a:srgbClr val="F4F4F4"/>
+          </a:solidFill>
+        </p:spPr>
+        <p:txBody>
+          <a:bodyPr anchor="ctr">
             <a:normAutofit/>
           </a:bodyPr>
           <a:lstStyle/>
           <a:p>
             <a:r>
-              <a:rPr lang="en-US" sz="5000" b="1" dirty="0">
+              <a:rPr lang="en-US" sz="4000" b="1" dirty="0">
                 <a:solidFill>
                   <a:srgbClr val="9B0000"/>
                 </a:solidFill>
-                <a:latin typeface="Open sans" panose="020B0606030504020204" pitchFamily="34" charset="0"/>
+                <a:latin typeface="Montserrat" panose="00000500000000000000" pitchFamily="2" charset="0"/>
                 <a:ea typeface="Open sans" panose="020B0606030504020204" pitchFamily="34" charset="0"/>
                 <a:cs typeface="Open sans" panose="020B0606030504020204" pitchFamily="34" charset="0"/>
               </a:rPr>
